--- a/期中第六組.pptx
+++ b/期中第六組.pptx
@@ -5,17 +5,19 @@
     <p:sldMasterId id="2147483648" r:id="rId1"/>
   </p:sldMasterIdLst>
   <p:notesMasterIdLst>
-    <p:notesMasterId r:id="rId10"/>
+    <p:notesMasterId r:id="rId12"/>
   </p:notesMasterIdLst>
   <p:sldIdLst>
     <p:sldId id="256" r:id="rId2"/>
-    <p:sldId id="260" r:id="rId3"/>
-    <p:sldId id="258" r:id="rId4"/>
-    <p:sldId id="259" r:id="rId5"/>
-    <p:sldId id="261" r:id="rId6"/>
-    <p:sldId id="262" r:id="rId7"/>
-    <p:sldId id="263" r:id="rId8"/>
-    <p:sldId id="264" r:id="rId9"/>
+    <p:sldId id="265" r:id="rId3"/>
+    <p:sldId id="266" r:id="rId4"/>
+    <p:sldId id="260" r:id="rId5"/>
+    <p:sldId id="258" r:id="rId6"/>
+    <p:sldId id="259" r:id="rId7"/>
+    <p:sldId id="261" r:id="rId8"/>
+    <p:sldId id="262" r:id="rId9"/>
+    <p:sldId id="263" r:id="rId10"/>
+    <p:sldId id="264" r:id="rId11"/>
   </p:sldIdLst>
   <p:sldSz cx="9144000" cy="5143500" type="screen16x9"/>
   <p:notesSz cx="6858000" cy="9144000"/>
@@ -264,7 +266,7 @@
       </p15:sldGuideLst>
     </p:ext>
     <p:ext uri="http://customooxmlschemas.google.com/">
-      <go:slidesCustomData xmlns:go="http://customooxmlschemas.google.com/" xmlns:ahyp="http://schemas.microsoft.com/office/drawing/2018/hyperlinkcolor" xmlns:p15="http://schemas.microsoft.com/office/powerpoint/2012/main" xmlns:p14="http://schemas.microsoft.com/office/powerpoint/2010/main" xmlns:com="http://schemas.openxmlformats.org/drawingml/2006/compatibility" xmlns:pvml="urn:schemas-microsoft-com:office:powerpoint" xmlns:v="urn:schemas-microsoft-com:vml" xmlns:o="urn:schemas-microsoft-com:office:office" xmlns:dgm="http://schemas.openxmlformats.org/drawingml/2006/diagram" xmlns:c="http://schemas.openxmlformats.org/drawingml/2006/chart" xmlns:mv="urn:schemas-microsoft-com:mac:vml" xmlns:mc="http://schemas.openxmlformats.org/markup-compatibility/2006" xmlns="" r:id="rId11" roundtripDataSignature="AMtx7mip1e58Rft2Ibo7OEgdzGXIOPstag=="/>
+      <go:slidesCustomData xmlns="" xmlns:mc="http://schemas.openxmlformats.org/markup-compatibility/2006" xmlns:mv="urn:schemas-microsoft-com:mac:vml" xmlns:c="http://schemas.openxmlformats.org/drawingml/2006/chart" xmlns:dgm="http://schemas.openxmlformats.org/drawingml/2006/diagram" xmlns:o="urn:schemas-microsoft-com:office:office" xmlns:v="urn:schemas-microsoft-com:vml" xmlns:pvml="urn:schemas-microsoft-com:office:powerpoint" xmlns:com="http://schemas.openxmlformats.org/drawingml/2006/compatibility" xmlns:p14="http://schemas.microsoft.com/office/powerpoint/2010/main" xmlns:p15="http://schemas.microsoft.com/office/powerpoint/2012/main" xmlns:ahyp="http://schemas.microsoft.com/office/drawing/2018/hyperlinkcolor" xmlns:go="http://customooxmlschemas.google.com/" r:id="rId13" roundtripDataSignature="AMtx7mip1e58Rft2Ibo7OEgdzGXIOPstag=="/>
     </p:ext>
   </p:extLst>
 </p:presentation>
@@ -9001,7 +9003,385 @@
 </p:sld>
 </file>
 
+<file path=ppt/slides/slide10.xml><?xml version="1.0" encoding="utf-8"?>
+<p:sld xmlns:a="http://schemas.openxmlformats.org/drawingml/2006/main" xmlns:r="http://schemas.openxmlformats.org/officeDocument/2006/relationships" xmlns:p="http://schemas.openxmlformats.org/presentationml/2006/main">
+  <p:cSld>
+    <p:spTree>
+      <p:nvGrpSpPr>
+        <p:cNvPr id="1" name=""/>
+        <p:cNvGrpSpPr/>
+        <p:nvPr/>
+      </p:nvGrpSpPr>
+      <p:grpSpPr>
+        <a:xfrm>
+          <a:off x="0" y="0"/>
+          <a:ext cx="0" cy="0"/>
+          <a:chOff x="0" y="0"/>
+          <a:chExt cx="0" cy="0"/>
+        </a:xfrm>
+      </p:grpSpPr>
+      <p:sp>
+        <p:nvSpPr>
+          <p:cNvPr id="2" name="標題 1">
+            <a:extLst>
+              <a:ext uri="{FF2B5EF4-FFF2-40B4-BE49-F238E27FC236}">
+                <a16:creationId xmlns:a16="http://schemas.microsoft.com/office/drawing/2014/main" id="{DC84D4D4-1792-E01A-752E-F3338CD50454}"/>
+              </a:ext>
+            </a:extLst>
+          </p:cNvPr>
+          <p:cNvSpPr>
+            <a:spLocks noGrp="1"/>
+          </p:cNvSpPr>
+          <p:nvPr>
+            <p:ph type="title"/>
+          </p:nvPr>
+        </p:nvSpPr>
+        <p:spPr/>
+        <p:txBody>
+          <a:bodyPr>
+            <a:normAutofit fontScale="90000"/>
+          </a:bodyPr>
+          <a:lstStyle/>
+          <a:p>
+            <a:r>
+              <a:rPr lang="zh-TW" altLang="en-US" dirty="0"/>
+              <a:t>小總結</a:t>
+            </a:r>
+          </a:p>
+        </p:txBody>
+      </p:sp>
+      <p:sp>
+        <p:nvSpPr>
+          <p:cNvPr id="3" name="文字版面配置區 2">
+            <a:extLst>
+              <a:ext uri="{FF2B5EF4-FFF2-40B4-BE49-F238E27FC236}">
+                <a16:creationId xmlns:a16="http://schemas.microsoft.com/office/drawing/2014/main" id="{0F70E8E5-A10A-9459-9DAF-1D0D918CD68D}"/>
+              </a:ext>
+            </a:extLst>
+          </p:cNvPr>
+          <p:cNvSpPr>
+            <a:spLocks noGrp="1"/>
+          </p:cNvSpPr>
+          <p:nvPr>
+            <p:ph type="body" idx="1"/>
+          </p:nvPr>
+        </p:nvSpPr>
+        <p:spPr>
+          <a:xfrm>
+            <a:off x="311700" y="1152475"/>
+            <a:ext cx="8256300" cy="1187525"/>
+          </a:xfrm>
+        </p:spPr>
+        <p:txBody>
+          <a:bodyPr/>
+          <a:lstStyle/>
+          <a:p>
+            <a:r>
+              <a:rPr lang="zh-TW" altLang="en-US" dirty="0"/>
+              <a:t>目前大家都個做個的因為我們沒有把每個頁面串奇來，未來會把每個頁面串連並補其功能，把美編統一，讓人能舒適使用。</a:t>
+            </a:r>
+            <a:endParaRPr lang="en-US" altLang="zh-TW" dirty="0"/>
+          </a:p>
+          <a:p>
+            <a:pPr marL="114300" indent="0">
+              <a:buNone/>
+            </a:pPr>
+            <a:endParaRPr lang="zh-TW" altLang="en-US" dirty="0"/>
+          </a:p>
+        </p:txBody>
+      </p:sp>
+      <p:sp>
+        <p:nvSpPr>
+          <p:cNvPr id="4" name="文字方塊 3">
+            <a:extLst>
+              <a:ext uri="{FF2B5EF4-FFF2-40B4-BE49-F238E27FC236}">
+                <a16:creationId xmlns:a16="http://schemas.microsoft.com/office/drawing/2014/main" id="{821087CB-BEA5-6EB8-5186-A16769973809}"/>
+              </a:ext>
+            </a:extLst>
+          </p:cNvPr>
+          <p:cNvSpPr txBox="1"/>
+          <p:nvPr/>
+        </p:nvSpPr>
+        <p:spPr>
+          <a:xfrm>
+            <a:off x="743700" y="2166973"/>
+            <a:ext cx="8342700" cy="523220"/>
+          </a:xfrm>
+          <a:prstGeom prst="rect">
+            <a:avLst/>
+          </a:prstGeom>
+          <a:noFill/>
+        </p:spPr>
+        <p:txBody>
+          <a:bodyPr wrap="square" rtlCol="0">
+            <a:spAutoFit/>
+          </a:bodyPr>
+          <a:lstStyle/>
+          <a:p>
+            <a:r>
+              <a:rPr lang="en-US" altLang="zh-TW" dirty="0"/>
+              <a:t>GitHub: </a:t>
+            </a:r>
+            <a:r>
+              <a:rPr lang="en-US" altLang="zh-TW" dirty="0">
+                <a:hlinkClick r:id="rId2"/>
+              </a:rPr>
+              <a:t>HTTPs://github.com/victor881212/weatherapp</a:t>
+            </a:r>
+            <a:endParaRPr lang="en-US" altLang="zh-TW" dirty="0"/>
+          </a:p>
+          <a:p>
+            <a:r>
+              <a:rPr lang="zh-TW" altLang="en-US" dirty="0"/>
+              <a:t>我們目前是用</a:t>
+            </a:r>
+            <a:r>
+              <a:rPr lang="en-US" altLang="zh-TW" dirty="0" err="1"/>
+              <a:t>github</a:t>
+            </a:r>
+            <a:r>
+              <a:rPr lang="zh-TW" altLang="en-US" dirty="0"/>
+              <a:t>合作的模式，所以所有檔案資料都找的到，除了不會用</a:t>
+            </a:r>
+            <a:r>
+              <a:rPr lang="en-US" altLang="zh-TW" dirty="0"/>
+              <a:t>git+</a:t>
+            </a:r>
+            <a:r>
+              <a:rPr lang="zh-TW" altLang="en-US" dirty="0"/>
+              <a:t>沒傳資料給我的。</a:t>
+            </a:r>
+          </a:p>
+        </p:txBody>
+      </p:sp>
+    </p:spTree>
+    <p:extLst>
+      <p:ext uri="{BB962C8B-B14F-4D97-AF65-F5344CB8AC3E}">
+        <p14:creationId xmlns:p14="http://schemas.microsoft.com/office/powerpoint/2010/main" val="30280698"/>
+      </p:ext>
+    </p:extLst>
+  </p:cSld>
+  <p:clrMapOvr>
+    <a:masterClrMapping/>
+  </p:clrMapOvr>
+</p:sld>
+</file>
+
 <file path=ppt/slides/slide2.xml><?xml version="1.0" encoding="utf-8"?>
+<p:sld xmlns:a="http://schemas.openxmlformats.org/drawingml/2006/main" xmlns:r="http://schemas.openxmlformats.org/officeDocument/2006/relationships" xmlns:p="http://schemas.openxmlformats.org/presentationml/2006/main">
+  <p:cSld>
+    <p:spTree>
+      <p:nvGrpSpPr>
+        <p:cNvPr id="1" name=""/>
+        <p:cNvGrpSpPr/>
+        <p:nvPr/>
+      </p:nvGrpSpPr>
+      <p:grpSpPr>
+        <a:xfrm>
+          <a:off x="0" y="0"/>
+          <a:ext cx="0" cy="0"/>
+          <a:chOff x="0" y="0"/>
+          <a:chExt cx="0" cy="0"/>
+        </a:xfrm>
+      </p:grpSpPr>
+      <p:sp>
+        <p:nvSpPr>
+          <p:cNvPr id="2" name="標題 1">
+            <a:extLst>
+              <a:ext uri="{FF2B5EF4-FFF2-40B4-BE49-F238E27FC236}">
+                <a16:creationId xmlns:a16="http://schemas.microsoft.com/office/drawing/2014/main" id="{D6E847B2-5802-7C58-2055-5A7D88B91E03}"/>
+              </a:ext>
+            </a:extLst>
+          </p:cNvPr>
+          <p:cNvSpPr>
+            <a:spLocks noGrp="1"/>
+          </p:cNvSpPr>
+          <p:nvPr>
+            <p:ph type="ctrTitle"/>
+          </p:nvPr>
+        </p:nvSpPr>
+        <p:spPr>
+          <a:xfrm>
+            <a:off x="311700" y="744575"/>
+            <a:ext cx="8520608" cy="709825"/>
+          </a:xfrm>
+        </p:spPr>
+        <p:txBody>
+          <a:bodyPr>
+            <a:normAutofit fontScale="90000"/>
+          </a:bodyPr>
+          <a:lstStyle/>
+          <a:p>
+            <a:r>
+              <a:rPr lang="zh-TW" altLang="en-US" dirty="0"/>
+              <a:t>摘要</a:t>
+            </a:r>
+          </a:p>
+        </p:txBody>
+      </p:sp>
+      <p:sp>
+        <p:nvSpPr>
+          <p:cNvPr id="3" name="副標題 2">
+            <a:extLst>
+              <a:ext uri="{FF2B5EF4-FFF2-40B4-BE49-F238E27FC236}">
+                <a16:creationId xmlns:a16="http://schemas.microsoft.com/office/drawing/2014/main" id="{94F532DC-A0E8-8880-A5B6-C4A82C37782A}"/>
+              </a:ext>
+            </a:extLst>
+          </p:cNvPr>
+          <p:cNvSpPr>
+            <a:spLocks noGrp="1"/>
+          </p:cNvSpPr>
+          <p:nvPr>
+            <p:ph type="subTitle" idx="1"/>
+          </p:nvPr>
+        </p:nvSpPr>
+        <p:spPr>
+          <a:xfrm>
+            <a:off x="311692" y="1778400"/>
+            <a:ext cx="8520608" cy="1848325"/>
+          </a:xfrm>
+        </p:spPr>
+        <p:txBody>
+          <a:bodyPr/>
+          <a:lstStyle/>
+          <a:p>
+            <a:r>
+              <a:rPr lang="zh-TW" altLang="en-US" dirty="0"/>
+              <a:t>目前市面上天氣預報的</a:t>
+            </a:r>
+            <a:r>
+              <a:rPr lang="en-US" altLang="zh-TW" dirty="0"/>
+              <a:t>app</a:t>
+            </a:r>
+            <a:r>
+              <a:rPr lang="zh-TW" altLang="en-US" dirty="0"/>
+              <a:t>要嘛是指顯示一班民眾所要的資訊要嘛是一次顯示全部資訊，我們希望讓使用者選擇身分來推送所要的資訊</a:t>
+            </a:r>
+          </a:p>
+        </p:txBody>
+      </p:sp>
+    </p:spTree>
+    <p:extLst>
+      <p:ext uri="{BB962C8B-B14F-4D97-AF65-F5344CB8AC3E}">
+        <p14:creationId xmlns:p14="http://schemas.microsoft.com/office/powerpoint/2010/main" val="3580512252"/>
+      </p:ext>
+    </p:extLst>
+  </p:cSld>
+  <p:clrMapOvr>
+    <a:masterClrMapping/>
+  </p:clrMapOvr>
+</p:sld>
+</file>
+
+<file path=ppt/slides/slide3.xml><?xml version="1.0" encoding="utf-8"?>
+<p:sld xmlns:a="http://schemas.openxmlformats.org/drawingml/2006/main" xmlns:r="http://schemas.openxmlformats.org/officeDocument/2006/relationships" xmlns:p="http://schemas.openxmlformats.org/presentationml/2006/main">
+  <p:cSld>
+    <p:spTree>
+      <p:nvGrpSpPr>
+        <p:cNvPr id="1" name=""/>
+        <p:cNvGrpSpPr/>
+        <p:nvPr/>
+      </p:nvGrpSpPr>
+      <p:grpSpPr>
+        <a:xfrm>
+          <a:off x="0" y="0"/>
+          <a:ext cx="0" cy="0"/>
+          <a:chOff x="0" y="0"/>
+          <a:chExt cx="0" cy="0"/>
+        </a:xfrm>
+      </p:grpSpPr>
+      <p:sp>
+        <p:nvSpPr>
+          <p:cNvPr id="2" name="標題 1">
+            <a:extLst>
+              <a:ext uri="{FF2B5EF4-FFF2-40B4-BE49-F238E27FC236}">
+                <a16:creationId xmlns:a16="http://schemas.microsoft.com/office/drawing/2014/main" id="{540DE618-5141-CDAA-5166-627EF44F602C}"/>
+              </a:ext>
+            </a:extLst>
+          </p:cNvPr>
+          <p:cNvSpPr>
+            <a:spLocks noGrp="1"/>
+          </p:cNvSpPr>
+          <p:nvPr>
+            <p:ph type="ctrTitle"/>
+          </p:nvPr>
+        </p:nvSpPr>
+        <p:spPr>
+          <a:xfrm>
+            <a:off x="374400" y="744575"/>
+            <a:ext cx="8457908" cy="792600"/>
+          </a:xfrm>
+        </p:spPr>
+        <p:txBody>
+          <a:bodyPr>
+            <a:normAutofit fontScale="90000"/>
+          </a:bodyPr>
+          <a:lstStyle/>
+          <a:p>
+            <a:r>
+              <a:rPr lang="zh-TW" altLang="en-US" dirty="0"/>
+              <a:t>研究和開發步驟</a:t>
+            </a:r>
+          </a:p>
+        </p:txBody>
+      </p:sp>
+      <p:sp>
+        <p:nvSpPr>
+          <p:cNvPr id="3" name="副標題 2">
+            <a:extLst>
+              <a:ext uri="{FF2B5EF4-FFF2-40B4-BE49-F238E27FC236}">
+                <a16:creationId xmlns:a16="http://schemas.microsoft.com/office/drawing/2014/main" id="{6A671C53-77E9-DB26-D2F5-AFB0C22DECBD}"/>
+              </a:ext>
+            </a:extLst>
+          </p:cNvPr>
+          <p:cNvSpPr>
+            <a:spLocks noGrp="1"/>
+          </p:cNvSpPr>
+          <p:nvPr>
+            <p:ph type="subTitle" idx="1"/>
+          </p:nvPr>
+        </p:nvSpPr>
+        <p:spPr>
+          <a:xfrm>
+            <a:off x="374392" y="1872000"/>
+            <a:ext cx="8457908" cy="1754725"/>
+          </a:xfrm>
+        </p:spPr>
+        <p:txBody>
+          <a:bodyPr>
+            <a:normAutofit lnSpcReduction="10000"/>
+          </a:bodyPr>
+          <a:lstStyle/>
+          <a:p>
+            <a:r>
+              <a:rPr lang="zh-TW" altLang="en-US" dirty="0"/>
+              <a:t>藉由</a:t>
+            </a:r>
+            <a:r>
+              <a:rPr lang="en-US" altLang="zh-TW" dirty="0" err="1"/>
+              <a:t>github</a:t>
+            </a:r>
+            <a:r>
+              <a:rPr lang="zh-TW" altLang="en-US" dirty="0"/>
+              <a:t>合作的方式讓每個組員都能及時參與和更新，目前是讓組員各自選擇不同的身分去設計選擇應該推送的資訊和功能，之後再統一格式和美邊每個介面全部統合在一起。</a:t>
+            </a:r>
+          </a:p>
+        </p:txBody>
+      </p:sp>
+    </p:spTree>
+    <p:extLst>
+      <p:ext uri="{BB962C8B-B14F-4D97-AF65-F5344CB8AC3E}">
+        <p14:creationId xmlns:p14="http://schemas.microsoft.com/office/powerpoint/2010/main" val="2904805916"/>
+      </p:ext>
+    </p:extLst>
+  </p:cSld>
+  <p:clrMapOvr>
+    <a:masterClrMapping/>
+  </p:clrMapOvr>
+</p:sld>
+</file>
+
+<file path=ppt/slides/slide4.xml><?xml version="1.0" encoding="utf-8"?>
 <p:sld xmlns:a="http://schemas.openxmlformats.org/drawingml/2006/main" xmlns:r="http://schemas.openxmlformats.org/officeDocument/2006/relationships" xmlns:p="http://schemas.openxmlformats.org/presentationml/2006/main">
   <p:cSld>
     <p:spTree>
@@ -9240,7 +9620,7 @@
 </p:sld>
 </file>
 
-<file path=ppt/slides/slide3.xml><?xml version="1.0" encoding="utf-8"?>
+<file path=ppt/slides/slide5.xml><?xml version="1.0" encoding="utf-8"?>
 <p:sld xmlns:a="http://schemas.openxmlformats.org/drawingml/2006/main" xmlns:r="http://schemas.openxmlformats.org/officeDocument/2006/relationships" xmlns:p="http://schemas.openxmlformats.org/presentationml/2006/main">
   <p:cSld>
     <p:spTree>
@@ -9467,7 +9847,7 @@
 </p:sld>
 </file>
 
-<file path=ppt/slides/slide4.xml><?xml version="1.0" encoding="utf-8"?>
+<file path=ppt/slides/slide6.xml><?xml version="1.0" encoding="utf-8"?>
 <p:sld xmlns:a="http://schemas.openxmlformats.org/drawingml/2006/main" xmlns:r="http://schemas.openxmlformats.org/officeDocument/2006/relationships" xmlns:p="http://schemas.openxmlformats.org/presentationml/2006/main">
   <p:cSld>
     <p:spTree>
@@ -9669,7 +10049,7 @@
 </p:sld>
 </file>
 
-<file path=ppt/slides/slide5.xml><?xml version="1.0" encoding="utf-8"?>
+<file path=ppt/slides/slide7.xml><?xml version="1.0" encoding="utf-8"?>
 <p:sld xmlns:a="http://schemas.openxmlformats.org/drawingml/2006/main" xmlns:r="http://schemas.openxmlformats.org/officeDocument/2006/relationships" xmlns:p="http://schemas.openxmlformats.org/presentationml/2006/main">
   <p:cSld>
     <p:spTree>
@@ -9835,7 +10215,7 @@
 </p:sld>
 </file>
 
-<file path=ppt/slides/slide6.xml><?xml version="1.0" encoding="utf-8"?>
+<file path=ppt/slides/slide8.xml><?xml version="1.0" encoding="utf-8"?>
 <p:sld xmlns:a="http://schemas.openxmlformats.org/drawingml/2006/main" xmlns:r="http://schemas.openxmlformats.org/officeDocument/2006/relationships" xmlns:p="http://schemas.openxmlformats.org/presentationml/2006/main">
   <p:cSld>
     <p:spTree>
@@ -10010,7 +10390,7 @@
 </p:sld>
 </file>
 
-<file path=ppt/slides/slide7.xml><?xml version="1.0" encoding="utf-8"?>
+<file path=ppt/slides/slide9.xml><?xml version="1.0" encoding="utf-8"?>
 <p:sld xmlns:a="http://schemas.openxmlformats.org/drawingml/2006/main" xmlns:r="http://schemas.openxmlformats.org/officeDocument/2006/relationships" xmlns:p="http://schemas.openxmlformats.org/presentationml/2006/main">
   <p:cSld>
     <p:spTree>
@@ -10197,170 +10577,6 @@
     <p:extLst>
       <p:ext uri="{BB962C8B-B14F-4D97-AF65-F5344CB8AC3E}">
         <p14:creationId xmlns:p14="http://schemas.microsoft.com/office/powerpoint/2010/main" val="2357167010"/>
-      </p:ext>
-    </p:extLst>
-  </p:cSld>
-  <p:clrMapOvr>
-    <a:masterClrMapping/>
-  </p:clrMapOvr>
-</p:sld>
-</file>
-
-<file path=ppt/slides/slide8.xml><?xml version="1.0" encoding="utf-8"?>
-<p:sld xmlns:a="http://schemas.openxmlformats.org/drawingml/2006/main" xmlns:r="http://schemas.openxmlformats.org/officeDocument/2006/relationships" xmlns:p="http://schemas.openxmlformats.org/presentationml/2006/main">
-  <p:cSld>
-    <p:spTree>
-      <p:nvGrpSpPr>
-        <p:cNvPr id="1" name=""/>
-        <p:cNvGrpSpPr/>
-        <p:nvPr/>
-      </p:nvGrpSpPr>
-      <p:grpSpPr>
-        <a:xfrm>
-          <a:off x="0" y="0"/>
-          <a:ext cx="0" cy="0"/>
-          <a:chOff x="0" y="0"/>
-          <a:chExt cx="0" cy="0"/>
-        </a:xfrm>
-      </p:grpSpPr>
-      <p:sp>
-        <p:nvSpPr>
-          <p:cNvPr id="2" name="標題 1">
-            <a:extLst>
-              <a:ext uri="{FF2B5EF4-FFF2-40B4-BE49-F238E27FC236}">
-                <a16:creationId xmlns:a16="http://schemas.microsoft.com/office/drawing/2014/main" id="{DC84D4D4-1792-E01A-752E-F3338CD50454}"/>
-              </a:ext>
-            </a:extLst>
-          </p:cNvPr>
-          <p:cNvSpPr>
-            <a:spLocks noGrp="1"/>
-          </p:cNvSpPr>
-          <p:nvPr>
-            <p:ph type="title"/>
-          </p:nvPr>
-        </p:nvSpPr>
-        <p:spPr/>
-        <p:txBody>
-          <a:bodyPr>
-            <a:normAutofit fontScale="90000"/>
-          </a:bodyPr>
-          <a:lstStyle/>
-          <a:p>
-            <a:r>
-              <a:rPr lang="zh-TW" altLang="en-US" dirty="0"/>
-              <a:t>小總結</a:t>
-            </a:r>
-          </a:p>
-        </p:txBody>
-      </p:sp>
-      <p:sp>
-        <p:nvSpPr>
-          <p:cNvPr id="3" name="文字版面配置區 2">
-            <a:extLst>
-              <a:ext uri="{FF2B5EF4-FFF2-40B4-BE49-F238E27FC236}">
-                <a16:creationId xmlns:a16="http://schemas.microsoft.com/office/drawing/2014/main" id="{0F70E8E5-A10A-9459-9DAF-1D0D918CD68D}"/>
-              </a:ext>
-            </a:extLst>
-          </p:cNvPr>
-          <p:cNvSpPr>
-            <a:spLocks noGrp="1"/>
-          </p:cNvSpPr>
-          <p:nvPr>
-            <p:ph type="body" idx="1"/>
-          </p:nvPr>
-        </p:nvSpPr>
-        <p:spPr>
-          <a:xfrm>
-            <a:off x="311700" y="1152475"/>
-            <a:ext cx="8256300" cy="1187525"/>
-          </a:xfrm>
-        </p:spPr>
-        <p:txBody>
-          <a:bodyPr/>
-          <a:lstStyle/>
-          <a:p>
-            <a:r>
-              <a:rPr lang="zh-TW" altLang="en-US" dirty="0"/>
-              <a:t>目前大家都個做個的因為我們沒有把每個頁面串奇來，未來會把每個頁面串連並補其功能，把美編統一，讓人能舒適使用。</a:t>
-            </a:r>
-            <a:endParaRPr lang="en-US" altLang="zh-TW" dirty="0"/>
-          </a:p>
-          <a:p>
-            <a:pPr marL="114300" indent="0">
-              <a:buNone/>
-            </a:pPr>
-            <a:endParaRPr lang="zh-TW" altLang="en-US" dirty="0"/>
-          </a:p>
-        </p:txBody>
-      </p:sp>
-      <p:sp>
-        <p:nvSpPr>
-          <p:cNvPr id="4" name="文字方塊 3">
-            <a:extLst>
-              <a:ext uri="{FF2B5EF4-FFF2-40B4-BE49-F238E27FC236}">
-                <a16:creationId xmlns:a16="http://schemas.microsoft.com/office/drawing/2014/main" id="{821087CB-BEA5-6EB8-5186-A16769973809}"/>
-              </a:ext>
-            </a:extLst>
-          </p:cNvPr>
-          <p:cNvSpPr txBox="1"/>
-          <p:nvPr/>
-        </p:nvSpPr>
-        <p:spPr>
-          <a:xfrm>
-            <a:off x="743700" y="2166973"/>
-            <a:ext cx="8342700" cy="523220"/>
-          </a:xfrm>
-          <a:prstGeom prst="rect">
-            <a:avLst/>
-          </a:prstGeom>
-          <a:noFill/>
-        </p:spPr>
-        <p:txBody>
-          <a:bodyPr wrap="square" rtlCol="0">
-            <a:spAutoFit/>
-          </a:bodyPr>
-          <a:lstStyle/>
-          <a:p>
-            <a:r>
-              <a:rPr lang="en-US" altLang="zh-TW" dirty="0"/>
-              <a:t>GitHub: </a:t>
-            </a:r>
-            <a:r>
-              <a:rPr lang="en-US" altLang="zh-TW" dirty="0">
-                <a:hlinkClick r:id="rId2"/>
-              </a:rPr>
-              <a:t>HTTPs://github.com/victor881212/weatherapp</a:t>
-            </a:r>
-            <a:endParaRPr lang="en-US" altLang="zh-TW" dirty="0"/>
-          </a:p>
-          <a:p>
-            <a:r>
-              <a:rPr lang="zh-TW" altLang="en-US" dirty="0"/>
-              <a:t>我們目前是用</a:t>
-            </a:r>
-            <a:r>
-              <a:rPr lang="en-US" altLang="zh-TW" dirty="0" err="1"/>
-              <a:t>github</a:t>
-            </a:r>
-            <a:r>
-              <a:rPr lang="zh-TW" altLang="en-US" dirty="0"/>
-              <a:t>合作的模式，所以所有檔案資料都找的到，除了不會用</a:t>
-            </a:r>
-            <a:r>
-              <a:rPr lang="en-US" altLang="zh-TW" dirty="0"/>
-              <a:t>git+</a:t>
-            </a:r>
-            <a:r>
-              <a:rPr lang="zh-TW" altLang="en-US" dirty="0"/>
-              <a:t>沒傳資料給我的。</a:t>
-            </a:r>
-          </a:p>
-        </p:txBody>
-      </p:sp>
-    </p:spTree>
-    <p:extLst>
-      <p:ext uri="{BB962C8B-B14F-4D97-AF65-F5344CB8AC3E}">
-        <p14:creationId xmlns:p14="http://schemas.microsoft.com/office/powerpoint/2010/main" val="30280698"/>
       </p:ext>
     </p:extLst>
   </p:cSld>
